--- a/ppt 16-9/0695.求你垂听我呼.pptx
+++ b/ppt 16-9/0695.求你垂听我呼.pptx
@@ -129,7 +129,7 @@
           <p:cNvPr id="2" name="标题 1">
             <a:extLst>
               <a:ext uri="{FF2B5EF4-FFF2-40B4-BE49-F238E27FC236}">
-                <a16:creationId xmlns:a16="http://schemas.microsoft.com/office/drawing/2014/main" id="{BCED197F-0B27-F9A1-3700-11BC29C5D00B}"/>
+                <a16:creationId xmlns:a16="http://schemas.microsoft.com/office/drawing/2014/main" id="{F5B536F6-E07A-8215-B6D2-EC0CFE1B64F3}"/>
               </a:ext>
             </a:extLst>
           </p:cNvPr>
@@ -166,7 +166,7 @@
           <p:cNvPr id="3" name="副标题 2">
             <a:extLst>
               <a:ext uri="{FF2B5EF4-FFF2-40B4-BE49-F238E27FC236}">
-                <a16:creationId xmlns:a16="http://schemas.microsoft.com/office/drawing/2014/main" id="{AC58ACCD-0785-7AA1-6FBE-4BC2CAACE901}"/>
+                <a16:creationId xmlns:a16="http://schemas.microsoft.com/office/drawing/2014/main" id="{C232C99B-E45B-2475-BAF7-72B183E4B8CC}"/>
               </a:ext>
             </a:extLst>
           </p:cNvPr>
@@ -236,7 +236,7 @@
           <p:cNvPr id="4" name="日期占位符 3">
             <a:extLst>
               <a:ext uri="{FF2B5EF4-FFF2-40B4-BE49-F238E27FC236}">
-                <a16:creationId xmlns:a16="http://schemas.microsoft.com/office/drawing/2014/main" id="{4C493F8B-9D03-4C42-B0E1-56A13532CCD5}"/>
+                <a16:creationId xmlns:a16="http://schemas.microsoft.com/office/drawing/2014/main" id="{37FBD3D9-8228-8AE2-C08F-20121E230EE0}"/>
               </a:ext>
             </a:extLst>
           </p:cNvPr>
@@ -252,7 +252,7 @@
           <a:bodyPr/>
           <a:lstStyle/>
           <a:p>
-            <a:fld id="{7039A77D-7A00-4E7B-A31D-9E629B36AD69}" type="datetimeFigureOut">
+            <a:fld id="{A9721A6D-B5D1-408F-8E87-F0EAB9FAC5E5}" type="datetimeFigureOut">
               <a:rPr lang="zh-CN" altLang="en-US" smtClean="0"/>
               <a:t>2024/3/10</a:t>
             </a:fld>
@@ -265,7 +265,7 @@
           <p:cNvPr id="5" name="页脚占位符 4">
             <a:extLst>
               <a:ext uri="{FF2B5EF4-FFF2-40B4-BE49-F238E27FC236}">
-                <a16:creationId xmlns:a16="http://schemas.microsoft.com/office/drawing/2014/main" id="{78735D2E-4EF3-2CE8-4A74-1D33041A3FE9}"/>
+                <a16:creationId xmlns:a16="http://schemas.microsoft.com/office/drawing/2014/main" id="{2D6C1303-FE78-3800-54C5-F27297667BA9}"/>
               </a:ext>
             </a:extLst>
           </p:cNvPr>
@@ -290,7 +290,7 @@
           <p:cNvPr id="6" name="灯片编号占位符 5">
             <a:extLst>
               <a:ext uri="{FF2B5EF4-FFF2-40B4-BE49-F238E27FC236}">
-                <a16:creationId xmlns:a16="http://schemas.microsoft.com/office/drawing/2014/main" id="{1DF4EAB1-C9D9-ABD7-F167-0B8BBAF5F3E5}"/>
+                <a16:creationId xmlns:a16="http://schemas.microsoft.com/office/drawing/2014/main" id="{86F792E8-39A7-AA23-D483-CEEB492B20EF}"/>
               </a:ext>
             </a:extLst>
           </p:cNvPr>
@@ -306,7 +306,7 @@
           <a:bodyPr/>
           <a:lstStyle/>
           <a:p>
-            <a:fld id="{3F95BF79-2777-45D5-9F25-3E0FDA1444C6}" type="slidenum">
+            <a:fld id="{C7BCA9A6-58C6-4EFE-94C8-CC710FAEBBE4}" type="slidenum">
               <a:rPr lang="zh-CN" altLang="en-US" smtClean="0"/>
               <a:t>‹#›</a:t>
             </a:fld>
@@ -317,7 +317,7 @@
     </p:spTree>
     <p:extLst>
       <p:ext uri="{BB962C8B-B14F-4D97-AF65-F5344CB8AC3E}">
-        <p14:creationId xmlns:p14="http://schemas.microsoft.com/office/powerpoint/2010/main" val="2290529454"/>
+        <p14:creationId xmlns:p14="http://schemas.microsoft.com/office/powerpoint/2010/main" val="2649204490"/>
       </p:ext>
     </p:extLst>
   </p:cSld>
@@ -349,7 +349,7 @@
           <p:cNvPr id="2" name="标题 1">
             <a:extLst>
               <a:ext uri="{FF2B5EF4-FFF2-40B4-BE49-F238E27FC236}">
-                <a16:creationId xmlns:a16="http://schemas.microsoft.com/office/drawing/2014/main" id="{DDAC4684-B423-4057-020A-AD678E73B2A8}"/>
+                <a16:creationId xmlns:a16="http://schemas.microsoft.com/office/drawing/2014/main" id="{D905B50C-8771-B271-1091-535C438CB77E}"/>
               </a:ext>
             </a:extLst>
           </p:cNvPr>
@@ -377,7 +377,7 @@
           <p:cNvPr id="3" name="竖排文字占位符 2">
             <a:extLst>
               <a:ext uri="{FF2B5EF4-FFF2-40B4-BE49-F238E27FC236}">
-                <a16:creationId xmlns:a16="http://schemas.microsoft.com/office/drawing/2014/main" id="{BF6AED8E-473E-E27E-35EA-3D37ABF111F7}"/>
+                <a16:creationId xmlns:a16="http://schemas.microsoft.com/office/drawing/2014/main" id="{E3D5C28E-7EE6-7796-2713-20CD070909B5}"/>
               </a:ext>
             </a:extLst>
           </p:cNvPr>
@@ -434,7 +434,7 @@
           <p:cNvPr id="4" name="日期占位符 3">
             <a:extLst>
               <a:ext uri="{FF2B5EF4-FFF2-40B4-BE49-F238E27FC236}">
-                <a16:creationId xmlns:a16="http://schemas.microsoft.com/office/drawing/2014/main" id="{9690E344-5CE4-869B-E9D6-4433998142DA}"/>
+                <a16:creationId xmlns:a16="http://schemas.microsoft.com/office/drawing/2014/main" id="{5F9F7A00-8424-6DF4-5CDC-DEB28079D53B}"/>
               </a:ext>
             </a:extLst>
           </p:cNvPr>
@@ -450,7 +450,7 @@
           <a:bodyPr/>
           <a:lstStyle/>
           <a:p>
-            <a:fld id="{7039A77D-7A00-4E7B-A31D-9E629B36AD69}" type="datetimeFigureOut">
+            <a:fld id="{A9721A6D-B5D1-408F-8E87-F0EAB9FAC5E5}" type="datetimeFigureOut">
               <a:rPr lang="zh-CN" altLang="en-US" smtClean="0"/>
               <a:t>2024/3/10</a:t>
             </a:fld>
@@ -463,7 +463,7 @@
           <p:cNvPr id="5" name="页脚占位符 4">
             <a:extLst>
               <a:ext uri="{FF2B5EF4-FFF2-40B4-BE49-F238E27FC236}">
-                <a16:creationId xmlns:a16="http://schemas.microsoft.com/office/drawing/2014/main" id="{7075B91B-353B-496E-1422-124AF26EE4A4}"/>
+                <a16:creationId xmlns:a16="http://schemas.microsoft.com/office/drawing/2014/main" id="{E3DC2C30-392E-6E57-4DA0-C515421094C2}"/>
               </a:ext>
             </a:extLst>
           </p:cNvPr>
@@ -488,7 +488,7 @@
           <p:cNvPr id="6" name="灯片编号占位符 5">
             <a:extLst>
               <a:ext uri="{FF2B5EF4-FFF2-40B4-BE49-F238E27FC236}">
-                <a16:creationId xmlns:a16="http://schemas.microsoft.com/office/drawing/2014/main" id="{C19D95AB-2DD7-C22B-3376-5EB1BF78BD2A}"/>
+                <a16:creationId xmlns:a16="http://schemas.microsoft.com/office/drawing/2014/main" id="{758C6D4B-BB35-6BBC-A0A1-F512E74A6275}"/>
               </a:ext>
             </a:extLst>
           </p:cNvPr>
@@ -504,7 +504,7 @@
           <a:bodyPr/>
           <a:lstStyle/>
           <a:p>
-            <a:fld id="{3F95BF79-2777-45D5-9F25-3E0FDA1444C6}" type="slidenum">
+            <a:fld id="{C7BCA9A6-58C6-4EFE-94C8-CC710FAEBBE4}" type="slidenum">
               <a:rPr lang="zh-CN" altLang="en-US" smtClean="0"/>
               <a:t>‹#›</a:t>
             </a:fld>
@@ -515,7 +515,7 @@
     </p:spTree>
     <p:extLst>
       <p:ext uri="{BB962C8B-B14F-4D97-AF65-F5344CB8AC3E}">
-        <p14:creationId xmlns:p14="http://schemas.microsoft.com/office/powerpoint/2010/main" val="2914441949"/>
+        <p14:creationId xmlns:p14="http://schemas.microsoft.com/office/powerpoint/2010/main" val="3515582522"/>
       </p:ext>
     </p:extLst>
   </p:cSld>
@@ -547,7 +547,7 @@
           <p:cNvPr id="2" name="竖排标题 1">
             <a:extLst>
               <a:ext uri="{FF2B5EF4-FFF2-40B4-BE49-F238E27FC236}">
-                <a16:creationId xmlns:a16="http://schemas.microsoft.com/office/drawing/2014/main" id="{02A50F80-55BA-A970-6AEB-F37B530EC0E5}"/>
+                <a16:creationId xmlns:a16="http://schemas.microsoft.com/office/drawing/2014/main" id="{5146A9BB-ED0D-5B0D-1DA0-E1F8603FF058}"/>
               </a:ext>
             </a:extLst>
           </p:cNvPr>
@@ -580,7 +580,7 @@
           <p:cNvPr id="3" name="竖排文字占位符 2">
             <a:extLst>
               <a:ext uri="{FF2B5EF4-FFF2-40B4-BE49-F238E27FC236}">
-                <a16:creationId xmlns:a16="http://schemas.microsoft.com/office/drawing/2014/main" id="{A454CE06-B2B3-8900-3ADB-31514C9BA7B3}"/>
+                <a16:creationId xmlns:a16="http://schemas.microsoft.com/office/drawing/2014/main" id="{B52F9340-3615-3759-9AD7-503B74B5E625}"/>
               </a:ext>
             </a:extLst>
           </p:cNvPr>
@@ -642,7 +642,7 @@
           <p:cNvPr id="4" name="日期占位符 3">
             <a:extLst>
               <a:ext uri="{FF2B5EF4-FFF2-40B4-BE49-F238E27FC236}">
-                <a16:creationId xmlns:a16="http://schemas.microsoft.com/office/drawing/2014/main" id="{22290B56-491F-3F47-85D4-094D3073A6EE}"/>
+                <a16:creationId xmlns:a16="http://schemas.microsoft.com/office/drawing/2014/main" id="{F1D694AD-AD26-8E94-6CA5-71C18F26DEEE}"/>
               </a:ext>
             </a:extLst>
           </p:cNvPr>
@@ -658,7 +658,7 @@
           <a:bodyPr/>
           <a:lstStyle/>
           <a:p>
-            <a:fld id="{7039A77D-7A00-4E7B-A31D-9E629B36AD69}" type="datetimeFigureOut">
+            <a:fld id="{A9721A6D-B5D1-408F-8E87-F0EAB9FAC5E5}" type="datetimeFigureOut">
               <a:rPr lang="zh-CN" altLang="en-US" smtClean="0"/>
               <a:t>2024/3/10</a:t>
             </a:fld>
@@ -671,7 +671,7 @@
           <p:cNvPr id="5" name="页脚占位符 4">
             <a:extLst>
               <a:ext uri="{FF2B5EF4-FFF2-40B4-BE49-F238E27FC236}">
-                <a16:creationId xmlns:a16="http://schemas.microsoft.com/office/drawing/2014/main" id="{A45ECA5A-8E41-3FE8-B156-DA5D5C2646E2}"/>
+                <a16:creationId xmlns:a16="http://schemas.microsoft.com/office/drawing/2014/main" id="{327033DC-5193-847D-22DD-29EAF8C6DFB4}"/>
               </a:ext>
             </a:extLst>
           </p:cNvPr>
@@ -696,7 +696,7 @@
           <p:cNvPr id="6" name="灯片编号占位符 5">
             <a:extLst>
               <a:ext uri="{FF2B5EF4-FFF2-40B4-BE49-F238E27FC236}">
-                <a16:creationId xmlns:a16="http://schemas.microsoft.com/office/drawing/2014/main" id="{72D6B6B0-0374-4973-F69E-DBCBD0498D77}"/>
+                <a16:creationId xmlns:a16="http://schemas.microsoft.com/office/drawing/2014/main" id="{C0213023-D981-1119-5FED-A8A248A49052}"/>
               </a:ext>
             </a:extLst>
           </p:cNvPr>
@@ -712,7 +712,7 @@
           <a:bodyPr/>
           <a:lstStyle/>
           <a:p>
-            <a:fld id="{3F95BF79-2777-45D5-9F25-3E0FDA1444C6}" type="slidenum">
+            <a:fld id="{C7BCA9A6-58C6-4EFE-94C8-CC710FAEBBE4}" type="slidenum">
               <a:rPr lang="zh-CN" altLang="en-US" smtClean="0"/>
               <a:t>‹#›</a:t>
             </a:fld>
@@ -723,7 +723,7 @@
     </p:spTree>
     <p:extLst>
       <p:ext uri="{BB962C8B-B14F-4D97-AF65-F5344CB8AC3E}">
-        <p14:creationId xmlns:p14="http://schemas.microsoft.com/office/powerpoint/2010/main" val="32823835"/>
+        <p14:creationId xmlns:p14="http://schemas.microsoft.com/office/powerpoint/2010/main" val="1742709374"/>
       </p:ext>
     </p:extLst>
   </p:cSld>
@@ -755,7 +755,7 @@
           <p:cNvPr id="2" name="标题 1">
             <a:extLst>
               <a:ext uri="{FF2B5EF4-FFF2-40B4-BE49-F238E27FC236}">
-                <a16:creationId xmlns:a16="http://schemas.microsoft.com/office/drawing/2014/main" id="{01FCB89A-D4C4-AE62-5700-A9226419FF05}"/>
+                <a16:creationId xmlns:a16="http://schemas.microsoft.com/office/drawing/2014/main" id="{BBE56445-F6EB-87F7-903D-C7F254D2B9E0}"/>
               </a:ext>
             </a:extLst>
           </p:cNvPr>
@@ -783,7 +783,7 @@
           <p:cNvPr id="3" name="内容占位符 2">
             <a:extLst>
               <a:ext uri="{FF2B5EF4-FFF2-40B4-BE49-F238E27FC236}">
-                <a16:creationId xmlns:a16="http://schemas.microsoft.com/office/drawing/2014/main" id="{036189E2-B14B-F4BE-CD24-542B9A4451A9}"/>
+                <a16:creationId xmlns:a16="http://schemas.microsoft.com/office/drawing/2014/main" id="{BE1BEF8D-F3AF-4CAD-CD89-1F255487D4C6}"/>
               </a:ext>
             </a:extLst>
           </p:cNvPr>
@@ -840,7 +840,7 @@
           <p:cNvPr id="4" name="日期占位符 3">
             <a:extLst>
               <a:ext uri="{FF2B5EF4-FFF2-40B4-BE49-F238E27FC236}">
-                <a16:creationId xmlns:a16="http://schemas.microsoft.com/office/drawing/2014/main" id="{D3386D96-2E56-4944-EDB8-B6A8066E7971}"/>
+                <a16:creationId xmlns:a16="http://schemas.microsoft.com/office/drawing/2014/main" id="{1E46F477-54DE-29FD-6501-8775AF47B083}"/>
               </a:ext>
             </a:extLst>
           </p:cNvPr>
@@ -856,7 +856,7 @@
           <a:bodyPr/>
           <a:lstStyle/>
           <a:p>
-            <a:fld id="{7039A77D-7A00-4E7B-A31D-9E629B36AD69}" type="datetimeFigureOut">
+            <a:fld id="{A9721A6D-B5D1-408F-8E87-F0EAB9FAC5E5}" type="datetimeFigureOut">
               <a:rPr lang="zh-CN" altLang="en-US" smtClean="0"/>
               <a:t>2024/3/10</a:t>
             </a:fld>
@@ -869,7 +869,7 @@
           <p:cNvPr id="5" name="页脚占位符 4">
             <a:extLst>
               <a:ext uri="{FF2B5EF4-FFF2-40B4-BE49-F238E27FC236}">
-                <a16:creationId xmlns:a16="http://schemas.microsoft.com/office/drawing/2014/main" id="{B044507F-301E-DB71-89B4-EC79DF48093D}"/>
+                <a16:creationId xmlns:a16="http://schemas.microsoft.com/office/drawing/2014/main" id="{8989EB13-464F-7F27-29F9-84F90E34C61F}"/>
               </a:ext>
             </a:extLst>
           </p:cNvPr>
@@ -894,7 +894,7 @@
           <p:cNvPr id="6" name="灯片编号占位符 5">
             <a:extLst>
               <a:ext uri="{FF2B5EF4-FFF2-40B4-BE49-F238E27FC236}">
-                <a16:creationId xmlns:a16="http://schemas.microsoft.com/office/drawing/2014/main" id="{095B07F8-37B3-D906-6902-F6DE613713D1}"/>
+                <a16:creationId xmlns:a16="http://schemas.microsoft.com/office/drawing/2014/main" id="{06361F7D-77BF-497B-EBD3-80BA0A730C5F}"/>
               </a:ext>
             </a:extLst>
           </p:cNvPr>
@@ -910,7 +910,7 @@
           <a:bodyPr/>
           <a:lstStyle/>
           <a:p>
-            <a:fld id="{3F95BF79-2777-45D5-9F25-3E0FDA1444C6}" type="slidenum">
+            <a:fld id="{C7BCA9A6-58C6-4EFE-94C8-CC710FAEBBE4}" type="slidenum">
               <a:rPr lang="zh-CN" altLang="en-US" smtClean="0"/>
               <a:t>‹#›</a:t>
             </a:fld>
@@ -921,7 +921,7 @@
     </p:spTree>
     <p:extLst>
       <p:ext uri="{BB962C8B-B14F-4D97-AF65-F5344CB8AC3E}">
-        <p14:creationId xmlns:p14="http://schemas.microsoft.com/office/powerpoint/2010/main" val="1502037035"/>
+        <p14:creationId xmlns:p14="http://schemas.microsoft.com/office/powerpoint/2010/main" val="598502193"/>
       </p:ext>
     </p:extLst>
   </p:cSld>
@@ -953,7 +953,7 @@
           <p:cNvPr id="2" name="标题 1">
             <a:extLst>
               <a:ext uri="{FF2B5EF4-FFF2-40B4-BE49-F238E27FC236}">
-                <a16:creationId xmlns:a16="http://schemas.microsoft.com/office/drawing/2014/main" id="{2FC3CD39-75E4-C18A-F206-C1016EB46673}"/>
+                <a16:creationId xmlns:a16="http://schemas.microsoft.com/office/drawing/2014/main" id="{B9F77FC2-A0A8-20D9-A04B-E5F2D3EDC501}"/>
               </a:ext>
             </a:extLst>
           </p:cNvPr>
@@ -990,7 +990,7 @@
           <p:cNvPr id="3" name="文本占位符 2">
             <a:extLst>
               <a:ext uri="{FF2B5EF4-FFF2-40B4-BE49-F238E27FC236}">
-                <a16:creationId xmlns:a16="http://schemas.microsoft.com/office/drawing/2014/main" id="{1B615673-AFD0-65B5-9C44-944B89537870}"/>
+                <a16:creationId xmlns:a16="http://schemas.microsoft.com/office/drawing/2014/main" id="{B07BED0B-FB85-E526-A084-1B827B6FF94B}"/>
               </a:ext>
             </a:extLst>
           </p:cNvPr>
@@ -1115,7 +1115,7 @@
           <p:cNvPr id="4" name="日期占位符 3">
             <a:extLst>
               <a:ext uri="{FF2B5EF4-FFF2-40B4-BE49-F238E27FC236}">
-                <a16:creationId xmlns:a16="http://schemas.microsoft.com/office/drawing/2014/main" id="{6A0F9FF5-A02B-839F-25CC-FFDE10B81116}"/>
+                <a16:creationId xmlns:a16="http://schemas.microsoft.com/office/drawing/2014/main" id="{B8D0E6C6-9C55-FD96-7BD5-88C9442B1055}"/>
               </a:ext>
             </a:extLst>
           </p:cNvPr>
@@ -1131,7 +1131,7 @@
           <a:bodyPr/>
           <a:lstStyle/>
           <a:p>
-            <a:fld id="{7039A77D-7A00-4E7B-A31D-9E629B36AD69}" type="datetimeFigureOut">
+            <a:fld id="{A9721A6D-B5D1-408F-8E87-F0EAB9FAC5E5}" type="datetimeFigureOut">
               <a:rPr lang="zh-CN" altLang="en-US" smtClean="0"/>
               <a:t>2024/3/10</a:t>
             </a:fld>
@@ -1144,7 +1144,7 @@
           <p:cNvPr id="5" name="页脚占位符 4">
             <a:extLst>
               <a:ext uri="{FF2B5EF4-FFF2-40B4-BE49-F238E27FC236}">
-                <a16:creationId xmlns:a16="http://schemas.microsoft.com/office/drawing/2014/main" id="{09EDE020-25D1-322F-6033-2713618F9848}"/>
+                <a16:creationId xmlns:a16="http://schemas.microsoft.com/office/drawing/2014/main" id="{E695FFEF-9AC3-92D8-1052-05F7FDF73D4C}"/>
               </a:ext>
             </a:extLst>
           </p:cNvPr>
@@ -1169,7 +1169,7 @@
           <p:cNvPr id="6" name="灯片编号占位符 5">
             <a:extLst>
               <a:ext uri="{FF2B5EF4-FFF2-40B4-BE49-F238E27FC236}">
-                <a16:creationId xmlns:a16="http://schemas.microsoft.com/office/drawing/2014/main" id="{D56EA888-41A0-61C9-B0FA-B796FB80D401}"/>
+                <a16:creationId xmlns:a16="http://schemas.microsoft.com/office/drawing/2014/main" id="{43D413BA-7395-A8C9-6645-00E98E2E3785}"/>
               </a:ext>
             </a:extLst>
           </p:cNvPr>
@@ -1185,7 +1185,7 @@
           <a:bodyPr/>
           <a:lstStyle/>
           <a:p>
-            <a:fld id="{3F95BF79-2777-45D5-9F25-3E0FDA1444C6}" type="slidenum">
+            <a:fld id="{C7BCA9A6-58C6-4EFE-94C8-CC710FAEBBE4}" type="slidenum">
               <a:rPr lang="zh-CN" altLang="en-US" smtClean="0"/>
               <a:t>‹#›</a:t>
             </a:fld>
@@ -1196,7 +1196,7 @@
     </p:spTree>
     <p:extLst>
       <p:ext uri="{BB962C8B-B14F-4D97-AF65-F5344CB8AC3E}">
-        <p14:creationId xmlns:p14="http://schemas.microsoft.com/office/powerpoint/2010/main" val="667776786"/>
+        <p14:creationId xmlns:p14="http://schemas.microsoft.com/office/powerpoint/2010/main" val="2598051092"/>
       </p:ext>
     </p:extLst>
   </p:cSld>
@@ -1228,7 +1228,7 @@
           <p:cNvPr id="2" name="标题 1">
             <a:extLst>
               <a:ext uri="{FF2B5EF4-FFF2-40B4-BE49-F238E27FC236}">
-                <a16:creationId xmlns:a16="http://schemas.microsoft.com/office/drawing/2014/main" id="{135723C0-8129-FFB7-5DBF-EFE60B3EB8E6}"/>
+                <a16:creationId xmlns:a16="http://schemas.microsoft.com/office/drawing/2014/main" id="{212290E5-279D-B303-48FD-10AD01D03A2D}"/>
               </a:ext>
             </a:extLst>
           </p:cNvPr>
@@ -1256,7 +1256,7 @@
           <p:cNvPr id="3" name="内容占位符 2">
             <a:extLst>
               <a:ext uri="{FF2B5EF4-FFF2-40B4-BE49-F238E27FC236}">
-                <a16:creationId xmlns:a16="http://schemas.microsoft.com/office/drawing/2014/main" id="{2E0DB305-BD5D-098A-35D1-8719BC3843BB}"/>
+                <a16:creationId xmlns:a16="http://schemas.microsoft.com/office/drawing/2014/main" id="{383A89B2-B86C-F9A4-C3F5-E1B695E4DDE8}"/>
               </a:ext>
             </a:extLst>
           </p:cNvPr>
@@ -1318,7 +1318,7 @@
           <p:cNvPr id="4" name="内容占位符 3">
             <a:extLst>
               <a:ext uri="{FF2B5EF4-FFF2-40B4-BE49-F238E27FC236}">
-                <a16:creationId xmlns:a16="http://schemas.microsoft.com/office/drawing/2014/main" id="{4AFE7A6E-80FD-9B10-9F3F-107326DA76E4}"/>
+                <a16:creationId xmlns:a16="http://schemas.microsoft.com/office/drawing/2014/main" id="{33F0E188-E9AD-E0F3-1D5E-32CBB586A5A9}"/>
               </a:ext>
             </a:extLst>
           </p:cNvPr>
@@ -1380,7 +1380,7 @@
           <p:cNvPr id="5" name="日期占位符 4">
             <a:extLst>
               <a:ext uri="{FF2B5EF4-FFF2-40B4-BE49-F238E27FC236}">
-                <a16:creationId xmlns:a16="http://schemas.microsoft.com/office/drawing/2014/main" id="{A5EDC5B2-1A82-24B2-BF73-4FF73DCF99F3}"/>
+                <a16:creationId xmlns:a16="http://schemas.microsoft.com/office/drawing/2014/main" id="{DA4C9F22-5592-5ED4-3218-4952034ACA7C}"/>
               </a:ext>
             </a:extLst>
           </p:cNvPr>
@@ -1396,7 +1396,7 @@
           <a:bodyPr/>
           <a:lstStyle/>
           <a:p>
-            <a:fld id="{7039A77D-7A00-4E7B-A31D-9E629B36AD69}" type="datetimeFigureOut">
+            <a:fld id="{A9721A6D-B5D1-408F-8E87-F0EAB9FAC5E5}" type="datetimeFigureOut">
               <a:rPr lang="zh-CN" altLang="en-US" smtClean="0"/>
               <a:t>2024/3/10</a:t>
             </a:fld>
@@ -1409,7 +1409,7 @@
           <p:cNvPr id="6" name="页脚占位符 5">
             <a:extLst>
               <a:ext uri="{FF2B5EF4-FFF2-40B4-BE49-F238E27FC236}">
-                <a16:creationId xmlns:a16="http://schemas.microsoft.com/office/drawing/2014/main" id="{1250B501-7E4C-F3B0-19ED-9E4473099B43}"/>
+                <a16:creationId xmlns:a16="http://schemas.microsoft.com/office/drawing/2014/main" id="{60C77479-6996-0105-04CC-2D44BB18111B}"/>
               </a:ext>
             </a:extLst>
           </p:cNvPr>
@@ -1434,7 +1434,7 @@
           <p:cNvPr id="7" name="灯片编号占位符 6">
             <a:extLst>
               <a:ext uri="{FF2B5EF4-FFF2-40B4-BE49-F238E27FC236}">
-                <a16:creationId xmlns:a16="http://schemas.microsoft.com/office/drawing/2014/main" id="{E077EE39-1465-E684-C898-91CB9F470021}"/>
+                <a16:creationId xmlns:a16="http://schemas.microsoft.com/office/drawing/2014/main" id="{C6E4F4B4-D999-FC06-A337-DD9165D9EE93}"/>
               </a:ext>
             </a:extLst>
           </p:cNvPr>
@@ -1450,7 +1450,7 @@
           <a:bodyPr/>
           <a:lstStyle/>
           <a:p>
-            <a:fld id="{3F95BF79-2777-45D5-9F25-3E0FDA1444C6}" type="slidenum">
+            <a:fld id="{C7BCA9A6-58C6-4EFE-94C8-CC710FAEBBE4}" type="slidenum">
               <a:rPr lang="zh-CN" altLang="en-US" smtClean="0"/>
               <a:t>‹#›</a:t>
             </a:fld>
@@ -1461,7 +1461,7 @@
     </p:spTree>
     <p:extLst>
       <p:ext uri="{BB962C8B-B14F-4D97-AF65-F5344CB8AC3E}">
-        <p14:creationId xmlns:p14="http://schemas.microsoft.com/office/powerpoint/2010/main" val="2896221461"/>
+        <p14:creationId xmlns:p14="http://schemas.microsoft.com/office/powerpoint/2010/main" val="2067559211"/>
       </p:ext>
     </p:extLst>
   </p:cSld>
@@ -1493,7 +1493,7 @@
           <p:cNvPr id="2" name="标题 1">
             <a:extLst>
               <a:ext uri="{FF2B5EF4-FFF2-40B4-BE49-F238E27FC236}">
-                <a16:creationId xmlns:a16="http://schemas.microsoft.com/office/drawing/2014/main" id="{A966DD66-AB32-7F1E-E15C-CC29E331D4D0}"/>
+                <a16:creationId xmlns:a16="http://schemas.microsoft.com/office/drawing/2014/main" id="{6FD3A4F6-5639-CDCC-A5EC-A6287985BD53}"/>
               </a:ext>
             </a:extLst>
           </p:cNvPr>
@@ -1526,7 +1526,7 @@
           <p:cNvPr id="3" name="文本占位符 2">
             <a:extLst>
               <a:ext uri="{FF2B5EF4-FFF2-40B4-BE49-F238E27FC236}">
-                <a16:creationId xmlns:a16="http://schemas.microsoft.com/office/drawing/2014/main" id="{6D0675E0-FD7F-DE93-D1E4-43FA510D5F69}"/>
+                <a16:creationId xmlns:a16="http://schemas.microsoft.com/office/drawing/2014/main" id="{CCDDF3FD-188C-358A-F0FF-5C819E6A5E01}"/>
               </a:ext>
             </a:extLst>
           </p:cNvPr>
@@ -1597,7 +1597,7 @@
           <p:cNvPr id="4" name="内容占位符 3">
             <a:extLst>
               <a:ext uri="{FF2B5EF4-FFF2-40B4-BE49-F238E27FC236}">
-                <a16:creationId xmlns:a16="http://schemas.microsoft.com/office/drawing/2014/main" id="{B2824E1A-45FF-1EAB-7F38-C4CC70763FC5}"/>
+                <a16:creationId xmlns:a16="http://schemas.microsoft.com/office/drawing/2014/main" id="{B3B768CF-529B-7808-2FCA-1E038CC76077}"/>
               </a:ext>
             </a:extLst>
           </p:cNvPr>
@@ -1659,7 +1659,7 @@
           <p:cNvPr id="5" name="文本占位符 4">
             <a:extLst>
               <a:ext uri="{FF2B5EF4-FFF2-40B4-BE49-F238E27FC236}">
-                <a16:creationId xmlns:a16="http://schemas.microsoft.com/office/drawing/2014/main" id="{19A904D0-68F1-145C-A72E-67F5D792734E}"/>
+                <a16:creationId xmlns:a16="http://schemas.microsoft.com/office/drawing/2014/main" id="{1D12BDD3-BC70-85AF-D68B-9155C46976AA}"/>
               </a:ext>
             </a:extLst>
           </p:cNvPr>
@@ -1730,7 +1730,7 @@
           <p:cNvPr id="6" name="内容占位符 5">
             <a:extLst>
               <a:ext uri="{FF2B5EF4-FFF2-40B4-BE49-F238E27FC236}">
-                <a16:creationId xmlns:a16="http://schemas.microsoft.com/office/drawing/2014/main" id="{A3FF71D9-6982-295D-EDD8-FB85AD314B6A}"/>
+                <a16:creationId xmlns:a16="http://schemas.microsoft.com/office/drawing/2014/main" id="{2BCC5813-F704-0563-E198-593E71752187}"/>
               </a:ext>
             </a:extLst>
           </p:cNvPr>
@@ -1792,7 +1792,7 @@
           <p:cNvPr id="7" name="日期占位符 6">
             <a:extLst>
               <a:ext uri="{FF2B5EF4-FFF2-40B4-BE49-F238E27FC236}">
-                <a16:creationId xmlns:a16="http://schemas.microsoft.com/office/drawing/2014/main" id="{5DAD1D2A-6FE7-D809-3FD7-33EAF9D53FA2}"/>
+                <a16:creationId xmlns:a16="http://schemas.microsoft.com/office/drawing/2014/main" id="{DD9C37BD-8E85-5161-4DFB-11CE43C71475}"/>
               </a:ext>
             </a:extLst>
           </p:cNvPr>
@@ -1808,7 +1808,7 @@
           <a:bodyPr/>
           <a:lstStyle/>
           <a:p>
-            <a:fld id="{7039A77D-7A00-4E7B-A31D-9E629B36AD69}" type="datetimeFigureOut">
+            <a:fld id="{A9721A6D-B5D1-408F-8E87-F0EAB9FAC5E5}" type="datetimeFigureOut">
               <a:rPr lang="zh-CN" altLang="en-US" smtClean="0"/>
               <a:t>2024/3/10</a:t>
             </a:fld>
@@ -1821,7 +1821,7 @@
           <p:cNvPr id="8" name="页脚占位符 7">
             <a:extLst>
               <a:ext uri="{FF2B5EF4-FFF2-40B4-BE49-F238E27FC236}">
-                <a16:creationId xmlns:a16="http://schemas.microsoft.com/office/drawing/2014/main" id="{C1D989B8-3BB2-54C8-948C-9CAF5F5C667C}"/>
+                <a16:creationId xmlns:a16="http://schemas.microsoft.com/office/drawing/2014/main" id="{967EC598-9A96-F143-9D7B-2532FD360C8D}"/>
               </a:ext>
             </a:extLst>
           </p:cNvPr>
@@ -1846,7 +1846,7 @@
           <p:cNvPr id="9" name="灯片编号占位符 8">
             <a:extLst>
               <a:ext uri="{FF2B5EF4-FFF2-40B4-BE49-F238E27FC236}">
-                <a16:creationId xmlns:a16="http://schemas.microsoft.com/office/drawing/2014/main" id="{B351B247-3D9B-DD8E-ED3E-8263D0F515C1}"/>
+                <a16:creationId xmlns:a16="http://schemas.microsoft.com/office/drawing/2014/main" id="{E43E4857-01DE-AD66-9019-25AD34298BC7}"/>
               </a:ext>
             </a:extLst>
           </p:cNvPr>
@@ -1862,7 +1862,7 @@
           <a:bodyPr/>
           <a:lstStyle/>
           <a:p>
-            <a:fld id="{3F95BF79-2777-45D5-9F25-3E0FDA1444C6}" type="slidenum">
+            <a:fld id="{C7BCA9A6-58C6-4EFE-94C8-CC710FAEBBE4}" type="slidenum">
               <a:rPr lang="zh-CN" altLang="en-US" smtClean="0"/>
               <a:t>‹#›</a:t>
             </a:fld>
@@ -1873,7 +1873,7 @@
     </p:spTree>
     <p:extLst>
       <p:ext uri="{BB962C8B-B14F-4D97-AF65-F5344CB8AC3E}">
-        <p14:creationId xmlns:p14="http://schemas.microsoft.com/office/powerpoint/2010/main" val="3923000127"/>
+        <p14:creationId xmlns:p14="http://schemas.microsoft.com/office/powerpoint/2010/main" val="762410273"/>
       </p:ext>
     </p:extLst>
   </p:cSld>
@@ -1905,7 +1905,7 @@
           <p:cNvPr id="2" name="标题 1">
             <a:extLst>
               <a:ext uri="{FF2B5EF4-FFF2-40B4-BE49-F238E27FC236}">
-                <a16:creationId xmlns:a16="http://schemas.microsoft.com/office/drawing/2014/main" id="{128D8F38-A6BC-6580-1F18-C7E48E7098F9}"/>
+                <a16:creationId xmlns:a16="http://schemas.microsoft.com/office/drawing/2014/main" id="{A5D704DC-6531-B6CB-80A9-4DC73FCBF1DC}"/>
               </a:ext>
             </a:extLst>
           </p:cNvPr>
@@ -1933,7 +1933,7 @@
           <p:cNvPr id="3" name="日期占位符 2">
             <a:extLst>
               <a:ext uri="{FF2B5EF4-FFF2-40B4-BE49-F238E27FC236}">
-                <a16:creationId xmlns:a16="http://schemas.microsoft.com/office/drawing/2014/main" id="{9F0ECB21-B1FE-F825-4EF0-342BD272B672}"/>
+                <a16:creationId xmlns:a16="http://schemas.microsoft.com/office/drawing/2014/main" id="{82324B97-3837-32E0-2B33-72771B1309E1}"/>
               </a:ext>
             </a:extLst>
           </p:cNvPr>
@@ -1949,7 +1949,7 @@
           <a:bodyPr/>
           <a:lstStyle/>
           <a:p>
-            <a:fld id="{7039A77D-7A00-4E7B-A31D-9E629B36AD69}" type="datetimeFigureOut">
+            <a:fld id="{A9721A6D-B5D1-408F-8E87-F0EAB9FAC5E5}" type="datetimeFigureOut">
               <a:rPr lang="zh-CN" altLang="en-US" smtClean="0"/>
               <a:t>2024/3/10</a:t>
             </a:fld>
@@ -1962,7 +1962,7 @@
           <p:cNvPr id="4" name="页脚占位符 3">
             <a:extLst>
               <a:ext uri="{FF2B5EF4-FFF2-40B4-BE49-F238E27FC236}">
-                <a16:creationId xmlns:a16="http://schemas.microsoft.com/office/drawing/2014/main" id="{AC7F8F54-7EC0-6249-A628-370C786E4597}"/>
+                <a16:creationId xmlns:a16="http://schemas.microsoft.com/office/drawing/2014/main" id="{0507FEE8-215F-27F0-3D1E-7627F64D82B5}"/>
               </a:ext>
             </a:extLst>
           </p:cNvPr>
@@ -1987,7 +1987,7 @@
           <p:cNvPr id="5" name="灯片编号占位符 4">
             <a:extLst>
               <a:ext uri="{FF2B5EF4-FFF2-40B4-BE49-F238E27FC236}">
-                <a16:creationId xmlns:a16="http://schemas.microsoft.com/office/drawing/2014/main" id="{C08FE1BF-8927-2469-6D74-FDDE5C7504DF}"/>
+                <a16:creationId xmlns:a16="http://schemas.microsoft.com/office/drawing/2014/main" id="{39DF54B5-79A0-1B4B-2004-9EF8855EEA15}"/>
               </a:ext>
             </a:extLst>
           </p:cNvPr>
@@ -2003,7 +2003,7 @@
           <a:bodyPr/>
           <a:lstStyle/>
           <a:p>
-            <a:fld id="{3F95BF79-2777-45D5-9F25-3E0FDA1444C6}" type="slidenum">
+            <a:fld id="{C7BCA9A6-58C6-4EFE-94C8-CC710FAEBBE4}" type="slidenum">
               <a:rPr lang="zh-CN" altLang="en-US" smtClean="0"/>
               <a:t>‹#›</a:t>
             </a:fld>
@@ -2014,7 +2014,7 @@
     </p:spTree>
     <p:extLst>
       <p:ext uri="{BB962C8B-B14F-4D97-AF65-F5344CB8AC3E}">
-        <p14:creationId xmlns:p14="http://schemas.microsoft.com/office/powerpoint/2010/main" val="3950707426"/>
+        <p14:creationId xmlns:p14="http://schemas.microsoft.com/office/powerpoint/2010/main" val="693446905"/>
       </p:ext>
     </p:extLst>
   </p:cSld>
@@ -2046,7 +2046,7 @@
           <p:cNvPr id="2" name="日期占位符 1">
             <a:extLst>
               <a:ext uri="{FF2B5EF4-FFF2-40B4-BE49-F238E27FC236}">
-                <a16:creationId xmlns:a16="http://schemas.microsoft.com/office/drawing/2014/main" id="{FB7266ED-FD90-DA9A-6D11-84D72EF9FBEA}"/>
+                <a16:creationId xmlns:a16="http://schemas.microsoft.com/office/drawing/2014/main" id="{505986BD-31E1-F184-6ED5-EAE76D23EE81}"/>
               </a:ext>
             </a:extLst>
           </p:cNvPr>
@@ -2062,7 +2062,7 @@
           <a:bodyPr/>
           <a:lstStyle/>
           <a:p>
-            <a:fld id="{7039A77D-7A00-4E7B-A31D-9E629B36AD69}" type="datetimeFigureOut">
+            <a:fld id="{A9721A6D-B5D1-408F-8E87-F0EAB9FAC5E5}" type="datetimeFigureOut">
               <a:rPr lang="zh-CN" altLang="en-US" smtClean="0"/>
               <a:t>2024/3/10</a:t>
             </a:fld>
@@ -2075,7 +2075,7 @@
           <p:cNvPr id="3" name="页脚占位符 2">
             <a:extLst>
               <a:ext uri="{FF2B5EF4-FFF2-40B4-BE49-F238E27FC236}">
-                <a16:creationId xmlns:a16="http://schemas.microsoft.com/office/drawing/2014/main" id="{1EFF3934-1AB1-E7D8-2CD2-5ACEC15739A8}"/>
+                <a16:creationId xmlns:a16="http://schemas.microsoft.com/office/drawing/2014/main" id="{14A278A4-D43F-6570-DA80-8DFC60EF3D08}"/>
               </a:ext>
             </a:extLst>
           </p:cNvPr>
@@ -2100,7 +2100,7 @@
           <p:cNvPr id="4" name="灯片编号占位符 3">
             <a:extLst>
               <a:ext uri="{FF2B5EF4-FFF2-40B4-BE49-F238E27FC236}">
-                <a16:creationId xmlns:a16="http://schemas.microsoft.com/office/drawing/2014/main" id="{48A293A5-39CD-C766-5060-3D43FE40172F}"/>
+                <a16:creationId xmlns:a16="http://schemas.microsoft.com/office/drawing/2014/main" id="{7FBB3086-E526-8D9D-6873-106A8FF077C7}"/>
               </a:ext>
             </a:extLst>
           </p:cNvPr>
@@ -2116,7 +2116,7 @@
           <a:bodyPr/>
           <a:lstStyle/>
           <a:p>
-            <a:fld id="{3F95BF79-2777-45D5-9F25-3E0FDA1444C6}" type="slidenum">
+            <a:fld id="{C7BCA9A6-58C6-4EFE-94C8-CC710FAEBBE4}" type="slidenum">
               <a:rPr lang="zh-CN" altLang="en-US" smtClean="0"/>
               <a:t>‹#›</a:t>
             </a:fld>
@@ -2127,7 +2127,7 @@
     </p:spTree>
     <p:extLst>
       <p:ext uri="{BB962C8B-B14F-4D97-AF65-F5344CB8AC3E}">
-        <p14:creationId xmlns:p14="http://schemas.microsoft.com/office/powerpoint/2010/main" val="2890976877"/>
+        <p14:creationId xmlns:p14="http://schemas.microsoft.com/office/powerpoint/2010/main" val="700238919"/>
       </p:ext>
     </p:extLst>
   </p:cSld>
@@ -2159,7 +2159,7 @@
           <p:cNvPr id="2" name="标题 1">
             <a:extLst>
               <a:ext uri="{FF2B5EF4-FFF2-40B4-BE49-F238E27FC236}">
-                <a16:creationId xmlns:a16="http://schemas.microsoft.com/office/drawing/2014/main" id="{BED85113-420B-9A55-C91A-E059C955F82F}"/>
+                <a16:creationId xmlns:a16="http://schemas.microsoft.com/office/drawing/2014/main" id="{318C129F-90CA-182D-E517-5AD542B09ADE}"/>
               </a:ext>
             </a:extLst>
           </p:cNvPr>
@@ -2196,7 +2196,7 @@
           <p:cNvPr id="3" name="内容占位符 2">
             <a:extLst>
               <a:ext uri="{FF2B5EF4-FFF2-40B4-BE49-F238E27FC236}">
-                <a16:creationId xmlns:a16="http://schemas.microsoft.com/office/drawing/2014/main" id="{3224F2AF-F9CB-662D-08FB-F184739F0CB0}"/>
+                <a16:creationId xmlns:a16="http://schemas.microsoft.com/office/drawing/2014/main" id="{A0679C0C-00A5-A66A-F8E2-9CBE539E2340}"/>
               </a:ext>
             </a:extLst>
           </p:cNvPr>
@@ -2286,7 +2286,7 @@
           <p:cNvPr id="4" name="文本占位符 3">
             <a:extLst>
               <a:ext uri="{FF2B5EF4-FFF2-40B4-BE49-F238E27FC236}">
-                <a16:creationId xmlns:a16="http://schemas.microsoft.com/office/drawing/2014/main" id="{DD615F40-1E72-82DD-2CB7-8BEDB021C4FA}"/>
+                <a16:creationId xmlns:a16="http://schemas.microsoft.com/office/drawing/2014/main" id="{CB9B4F5D-3970-E216-F9B0-4709E03664C8}"/>
               </a:ext>
             </a:extLst>
           </p:cNvPr>
@@ -2357,7 +2357,7 @@
           <p:cNvPr id="5" name="日期占位符 4">
             <a:extLst>
               <a:ext uri="{FF2B5EF4-FFF2-40B4-BE49-F238E27FC236}">
-                <a16:creationId xmlns:a16="http://schemas.microsoft.com/office/drawing/2014/main" id="{925C75D3-FB86-7729-73D0-52695DCCAB47}"/>
+                <a16:creationId xmlns:a16="http://schemas.microsoft.com/office/drawing/2014/main" id="{A27CF49F-7537-6E22-D9A9-8B31C329214D}"/>
               </a:ext>
             </a:extLst>
           </p:cNvPr>
@@ -2373,7 +2373,7 @@
           <a:bodyPr/>
           <a:lstStyle/>
           <a:p>
-            <a:fld id="{7039A77D-7A00-4E7B-A31D-9E629B36AD69}" type="datetimeFigureOut">
+            <a:fld id="{A9721A6D-B5D1-408F-8E87-F0EAB9FAC5E5}" type="datetimeFigureOut">
               <a:rPr lang="zh-CN" altLang="en-US" smtClean="0"/>
               <a:t>2024/3/10</a:t>
             </a:fld>
@@ -2386,7 +2386,7 @@
           <p:cNvPr id="6" name="页脚占位符 5">
             <a:extLst>
               <a:ext uri="{FF2B5EF4-FFF2-40B4-BE49-F238E27FC236}">
-                <a16:creationId xmlns:a16="http://schemas.microsoft.com/office/drawing/2014/main" id="{3E87298E-9FB8-B004-2929-E2E524D1CF10}"/>
+                <a16:creationId xmlns:a16="http://schemas.microsoft.com/office/drawing/2014/main" id="{A72731BF-8955-4F61-B614-A6C4297391C5}"/>
               </a:ext>
             </a:extLst>
           </p:cNvPr>
@@ -2411,7 +2411,7 @@
           <p:cNvPr id="7" name="灯片编号占位符 6">
             <a:extLst>
               <a:ext uri="{FF2B5EF4-FFF2-40B4-BE49-F238E27FC236}">
-                <a16:creationId xmlns:a16="http://schemas.microsoft.com/office/drawing/2014/main" id="{F58E4BB0-DE6E-4D69-FD4A-ACDBEAF520F9}"/>
+                <a16:creationId xmlns:a16="http://schemas.microsoft.com/office/drawing/2014/main" id="{30CAB37D-45C9-4F3D-07EA-9076EEE0EECA}"/>
               </a:ext>
             </a:extLst>
           </p:cNvPr>
@@ -2427,7 +2427,7 @@
           <a:bodyPr/>
           <a:lstStyle/>
           <a:p>
-            <a:fld id="{3F95BF79-2777-45D5-9F25-3E0FDA1444C6}" type="slidenum">
+            <a:fld id="{C7BCA9A6-58C6-4EFE-94C8-CC710FAEBBE4}" type="slidenum">
               <a:rPr lang="zh-CN" altLang="en-US" smtClean="0"/>
               <a:t>‹#›</a:t>
             </a:fld>
@@ -2438,7 +2438,7 @@
     </p:spTree>
     <p:extLst>
       <p:ext uri="{BB962C8B-B14F-4D97-AF65-F5344CB8AC3E}">
-        <p14:creationId xmlns:p14="http://schemas.microsoft.com/office/powerpoint/2010/main" val="1965840326"/>
+        <p14:creationId xmlns:p14="http://schemas.microsoft.com/office/powerpoint/2010/main" val="979241493"/>
       </p:ext>
     </p:extLst>
   </p:cSld>
@@ -2470,7 +2470,7 @@
           <p:cNvPr id="2" name="标题 1">
             <a:extLst>
               <a:ext uri="{FF2B5EF4-FFF2-40B4-BE49-F238E27FC236}">
-                <a16:creationId xmlns:a16="http://schemas.microsoft.com/office/drawing/2014/main" id="{548FE79A-5968-CB48-8B0F-631C798E32A3}"/>
+                <a16:creationId xmlns:a16="http://schemas.microsoft.com/office/drawing/2014/main" id="{63ED2F33-2E7E-771A-571C-F11F0B388AE6}"/>
               </a:ext>
             </a:extLst>
           </p:cNvPr>
@@ -2507,7 +2507,7 @@
           <p:cNvPr id="3" name="图片占位符 2">
             <a:extLst>
               <a:ext uri="{FF2B5EF4-FFF2-40B4-BE49-F238E27FC236}">
-                <a16:creationId xmlns:a16="http://schemas.microsoft.com/office/drawing/2014/main" id="{E0016B7C-1F27-2C90-16C9-27204D687840}"/>
+                <a16:creationId xmlns:a16="http://schemas.microsoft.com/office/drawing/2014/main" id="{7383C0AE-AACD-4AD4-AFC6-E135096DF08F}"/>
               </a:ext>
             </a:extLst>
           </p:cNvPr>
@@ -2574,7 +2574,7 @@
           <p:cNvPr id="4" name="文本占位符 3">
             <a:extLst>
               <a:ext uri="{FF2B5EF4-FFF2-40B4-BE49-F238E27FC236}">
-                <a16:creationId xmlns:a16="http://schemas.microsoft.com/office/drawing/2014/main" id="{58162D8C-D99C-9C6A-EA33-2D1D5C33B836}"/>
+                <a16:creationId xmlns:a16="http://schemas.microsoft.com/office/drawing/2014/main" id="{B4D7F1BE-8C69-C965-6951-364E456C5BD3}"/>
               </a:ext>
             </a:extLst>
           </p:cNvPr>
@@ -2645,7 +2645,7 @@
           <p:cNvPr id="5" name="日期占位符 4">
             <a:extLst>
               <a:ext uri="{FF2B5EF4-FFF2-40B4-BE49-F238E27FC236}">
-                <a16:creationId xmlns:a16="http://schemas.microsoft.com/office/drawing/2014/main" id="{3960FBC2-7BAF-3116-950E-AA60F9925DFC}"/>
+                <a16:creationId xmlns:a16="http://schemas.microsoft.com/office/drawing/2014/main" id="{28E49A10-E913-5ACD-C147-4B44606C1101}"/>
               </a:ext>
             </a:extLst>
           </p:cNvPr>
@@ -2661,7 +2661,7 @@
           <a:bodyPr/>
           <a:lstStyle/>
           <a:p>
-            <a:fld id="{7039A77D-7A00-4E7B-A31D-9E629B36AD69}" type="datetimeFigureOut">
+            <a:fld id="{A9721A6D-B5D1-408F-8E87-F0EAB9FAC5E5}" type="datetimeFigureOut">
               <a:rPr lang="zh-CN" altLang="en-US" smtClean="0"/>
               <a:t>2024/3/10</a:t>
             </a:fld>
@@ -2674,7 +2674,7 @@
           <p:cNvPr id="6" name="页脚占位符 5">
             <a:extLst>
               <a:ext uri="{FF2B5EF4-FFF2-40B4-BE49-F238E27FC236}">
-                <a16:creationId xmlns:a16="http://schemas.microsoft.com/office/drawing/2014/main" id="{FEB0D85A-F179-7F1D-FA35-07AB489FA65D}"/>
+                <a16:creationId xmlns:a16="http://schemas.microsoft.com/office/drawing/2014/main" id="{7FA90468-D550-9C38-5CC8-8FA04EB02B3B}"/>
               </a:ext>
             </a:extLst>
           </p:cNvPr>
@@ -2699,7 +2699,7 @@
           <p:cNvPr id="7" name="灯片编号占位符 6">
             <a:extLst>
               <a:ext uri="{FF2B5EF4-FFF2-40B4-BE49-F238E27FC236}">
-                <a16:creationId xmlns:a16="http://schemas.microsoft.com/office/drawing/2014/main" id="{C5C39BBB-4725-0112-64BC-F94F65CFBA90}"/>
+                <a16:creationId xmlns:a16="http://schemas.microsoft.com/office/drawing/2014/main" id="{B9C494A5-1CB2-E52A-9ADB-B86A468DDA44}"/>
               </a:ext>
             </a:extLst>
           </p:cNvPr>
@@ -2715,7 +2715,7 @@
           <a:bodyPr/>
           <a:lstStyle/>
           <a:p>
-            <a:fld id="{3F95BF79-2777-45D5-9F25-3E0FDA1444C6}" type="slidenum">
+            <a:fld id="{C7BCA9A6-58C6-4EFE-94C8-CC710FAEBBE4}" type="slidenum">
               <a:rPr lang="zh-CN" altLang="en-US" smtClean="0"/>
               <a:t>‹#›</a:t>
             </a:fld>
@@ -2726,7 +2726,7 @@
     </p:spTree>
     <p:extLst>
       <p:ext uri="{BB962C8B-B14F-4D97-AF65-F5344CB8AC3E}">
-        <p14:creationId xmlns:p14="http://schemas.microsoft.com/office/powerpoint/2010/main" val="2309397489"/>
+        <p14:creationId xmlns:p14="http://schemas.microsoft.com/office/powerpoint/2010/main" val="1191829186"/>
       </p:ext>
     </p:extLst>
   </p:cSld>
@@ -2763,7 +2763,7 @@
           <p:cNvPr id="2" name="标题占位符 1">
             <a:extLst>
               <a:ext uri="{FF2B5EF4-FFF2-40B4-BE49-F238E27FC236}">
-                <a16:creationId xmlns:a16="http://schemas.microsoft.com/office/drawing/2014/main" id="{D604FF92-527A-D27B-3E6C-AE3B9B7CE186}"/>
+                <a16:creationId xmlns:a16="http://schemas.microsoft.com/office/drawing/2014/main" id="{47B4151C-26C8-9455-DF66-86286F22C180}"/>
               </a:ext>
             </a:extLst>
           </p:cNvPr>
@@ -2801,7 +2801,7 @@
           <p:cNvPr id="3" name="文本占位符 2">
             <a:extLst>
               <a:ext uri="{FF2B5EF4-FFF2-40B4-BE49-F238E27FC236}">
-                <a16:creationId xmlns:a16="http://schemas.microsoft.com/office/drawing/2014/main" id="{0A555D04-154B-3360-ECC5-A1429DFCACCA}"/>
+                <a16:creationId xmlns:a16="http://schemas.microsoft.com/office/drawing/2014/main" id="{B9F912B7-41DB-0A62-C458-2E3B709962D6}"/>
               </a:ext>
             </a:extLst>
           </p:cNvPr>
@@ -2868,7 +2868,7 @@
           <p:cNvPr id="4" name="日期占位符 3">
             <a:extLst>
               <a:ext uri="{FF2B5EF4-FFF2-40B4-BE49-F238E27FC236}">
-                <a16:creationId xmlns:a16="http://schemas.microsoft.com/office/drawing/2014/main" id="{12FEC794-614C-F51C-6EDC-7D80EF4E62B3}"/>
+                <a16:creationId xmlns:a16="http://schemas.microsoft.com/office/drawing/2014/main" id="{03FFAC41-3B79-E5C0-8923-78E823CA0CE8}"/>
               </a:ext>
             </a:extLst>
           </p:cNvPr>
@@ -2902,7 +2902,7 @@
             </a:lvl1pPr>
           </a:lstStyle>
           <a:p>
-            <a:fld id="{7039A77D-7A00-4E7B-A31D-9E629B36AD69}" type="datetimeFigureOut">
+            <a:fld id="{A9721A6D-B5D1-408F-8E87-F0EAB9FAC5E5}" type="datetimeFigureOut">
               <a:rPr lang="zh-CN" altLang="en-US" smtClean="0"/>
               <a:t>2024/3/10</a:t>
             </a:fld>
@@ -2915,7 +2915,7 @@
           <p:cNvPr id="5" name="页脚占位符 4">
             <a:extLst>
               <a:ext uri="{FF2B5EF4-FFF2-40B4-BE49-F238E27FC236}">
-                <a16:creationId xmlns:a16="http://schemas.microsoft.com/office/drawing/2014/main" id="{2C7467AA-ACDE-4897-08B3-E87A2BBE2B69}"/>
+                <a16:creationId xmlns:a16="http://schemas.microsoft.com/office/drawing/2014/main" id="{2D8523EA-F04B-5059-DCC4-805859CFDFB7}"/>
               </a:ext>
             </a:extLst>
           </p:cNvPr>
@@ -2958,7 +2958,7 @@
           <p:cNvPr id="6" name="灯片编号占位符 5">
             <a:extLst>
               <a:ext uri="{FF2B5EF4-FFF2-40B4-BE49-F238E27FC236}">
-                <a16:creationId xmlns:a16="http://schemas.microsoft.com/office/drawing/2014/main" id="{AE2C13A2-121A-31BA-B36F-5DCCDEA1F829}"/>
+                <a16:creationId xmlns:a16="http://schemas.microsoft.com/office/drawing/2014/main" id="{22B6B698-5097-464D-F7BC-7742996B5D4E}"/>
               </a:ext>
             </a:extLst>
           </p:cNvPr>
@@ -2992,7 +2992,7 @@
             </a:lvl1pPr>
           </a:lstStyle>
           <a:p>
-            <a:fld id="{3F95BF79-2777-45D5-9F25-3E0FDA1444C6}" type="slidenum">
+            <a:fld id="{C7BCA9A6-58C6-4EFE-94C8-CC710FAEBBE4}" type="slidenum">
               <a:rPr lang="zh-CN" altLang="en-US" smtClean="0"/>
               <a:t>‹#›</a:t>
             </a:fld>
@@ -3003,7 +3003,7 @@
     </p:spTree>
     <p:extLst>
       <p:ext uri="{BB962C8B-B14F-4D97-AF65-F5344CB8AC3E}">
-        <p14:creationId xmlns:p14="http://schemas.microsoft.com/office/powerpoint/2010/main" val="2805452144"/>
+        <p14:creationId xmlns:p14="http://schemas.microsoft.com/office/powerpoint/2010/main" val="945725234"/>
       </p:ext>
     </p:extLst>
   </p:cSld>
